--- a/Documentation/LABAP.pptx
+++ b/Documentation/LABAP.pptx
@@ -7,8 +7,17 @@
   <p:sldIdLst>
     <p:sldId id="256" r:id="rId2"/>
     <p:sldId id="257" r:id="rId3"/>
-    <p:sldId id="258" r:id="rId4"/>
-    <p:sldId id="259" r:id="rId5"/>
+    <p:sldId id="261" r:id="rId4"/>
+    <p:sldId id="260" r:id="rId5"/>
+    <p:sldId id="262" r:id="rId6"/>
+    <p:sldId id="263" r:id="rId7"/>
+    <p:sldId id="264" r:id="rId8"/>
+    <p:sldId id="265" r:id="rId9"/>
+    <p:sldId id="266" r:id="rId10"/>
+    <p:sldId id="267" r:id="rId11"/>
+    <p:sldId id="268" r:id="rId12"/>
+    <p:sldId id="258" r:id="rId13"/>
+    <p:sldId id="259" r:id="rId14"/>
   </p:sldIdLst>
   <p:sldSz cx="12192000" cy="6858000"/>
   <p:notesSz cx="6858000" cy="9144000"/>
@@ -266,7 +275,7 @@
           <a:p>
             <a:fld id="{4CDE23C7-78A4-413A-A84B-93D4CC0A9EB1}" type="datetimeFigureOut">
               <a:rPr lang="en-US" smtClean="0"/>
-              <a:t>4/11/2023</a:t>
+              <a:t>4/12/23</a:t>
             </a:fld>
             <a:endParaRPr lang="en-US"/>
           </a:p>
@@ -469,7 +478,7 @@
           <a:p>
             <a:fld id="{4CDE23C7-78A4-413A-A84B-93D4CC0A9EB1}" type="datetimeFigureOut">
               <a:rPr lang="en-US" smtClean="0"/>
-              <a:t>4/11/2023</a:t>
+              <a:t>4/12/23</a:t>
             </a:fld>
             <a:endParaRPr lang="en-US"/>
           </a:p>
@@ -677,7 +686,7 @@
           <a:p>
             <a:fld id="{4CDE23C7-78A4-413A-A84B-93D4CC0A9EB1}" type="datetimeFigureOut">
               <a:rPr lang="en-US" smtClean="0"/>
-              <a:t>4/11/2023</a:t>
+              <a:t>4/12/23</a:t>
             </a:fld>
             <a:endParaRPr lang="en-US"/>
           </a:p>
@@ -875,7 +884,7 @@
           <a:p>
             <a:fld id="{4CDE23C7-78A4-413A-A84B-93D4CC0A9EB1}" type="datetimeFigureOut">
               <a:rPr lang="en-US" smtClean="0"/>
-              <a:t>4/11/2023</a:t>
+              <a:t>4/12/23</a:t>
             </a:fld>
             <a:endParaRPr lang="en-US"/>
           </a:p>
@@ -1152,7 +1161,7 @@
           <a:p>
             <a:fld id="{4CDE23C7-78A4-413A-A84B-93D4CC0A9EB1}" type="datetimeFigureOut">
               <a:rPr lang="en-US" smtClean="0"/>
-              <a:t>4/11/2023</a:t>
+              <a:t>4/12/23</a:t>
             </a:fld>
             <a:endParaRPr lang="en-US"/>
           </a:p>
@@ -1417,7 +1426,7 @@
           <a:p>
             <a:fld id="{4CDE23C7-78A4-413A-A84B-93D4CC0A9EB1}" type="datetimeFigureOut">
               <a:rPr lang="en-US" smtClean="0"/>
-              <a:t>4/11/2023</a:t>
+              <a:t>4/12/23</a:t>
             </a:fld>
             <a:endParaRPr lang="en-US"/>
           </a:p>
@@ -1833,7 +1842,7 @@
           <a:p>
             <a:fld id="{4CDE23C7-78A4-413A-A84B-93D4CC0A9EB1}" type="datetimeFigureOut">
               <a:rPr lang="en-US" smtClean="0"/>
-              <a:t>4/11/2023</a:t>
+              <a:t>4/12/23</a:t>
             </a:fld>
             <a:endParaRPr lang="en-US"/>
           </a:p>
@@ -1974,7 +1983,7 @@
           <a:p>
             <a:fld id="{4CDE23C7-78A4-413A-A84B-93D4CC0A9EB1}" type="datetimeFigureOut">
               <a:rPr lang="en-US" smtClean="0"/>
-              <a:t>4/11/2023</a:t>
+              <a:t>4/12/23</a:t>
             </a:fld>
             <a:endParaRPr lang="en-US"/>
           </a:p>
@@ -2087,7 +2096,7 @@
           <a:p>
             <a:fld id="{4CDE23C7-78A4-413A-A84B-93D4CC0A9EB1}" type="datetimeFigureOut">
               <a:rPr lang="en-US" smtClean="0"/>
-              <a:t>4/11/2023</a:t>
+              <a:t>4/12/23</a:t>
             </a:fld>
             <a:endParaRPr lang="en-US"/>
           </a:p>
@@ -2398,7 +2407,7 @@
           <a:p>
             <a:fld id="{4CDE23C7-78A4-413A-A84B-93D4CC0A9EB1}" type="datetimeFigureOut">
               <a:rPr lang="en-US" smtClean="0"/>
-              <a:t>4/11/2023</a:t>
+              <a:t>4/12/23</a:t>
             </a:fld>
             <a:endParaRPr lang="en-US"/>
           </a:p>
@@ -2686,7 +2695,7 @@
           <a:p>
             <a:fld id="{4CDE23C7-78A4-413A-A84B-93D4CC0A9EB1}" type="datetimeFigureOut">
               <a:rPr lang="en-US" smtClean="0"/>
-              <a:t>4/11/2023</a:t>
+              <a:t>4/12/23</a:t>
             </a:fld>
             <a:endParaRPr lang="en-US"/>
           </a:p>
@@ -2926,7 +2935,7 @@
             <a:fld id="{4CDE23C7-78A4-413A-A84B-93D4CC0A9EB1}" type="datetimeFigureOut">
               <a:rPr lang="en-US" smtClean="0"/>
               <a:pPr/>
-              <a:t>4/11/2023</a:t>
+              <a:t>4/12/23</a:t>
             </a:fld>
             <a:endParaRPr lang="en-US" dirty="0"/>
           </a:p>
@@ -3878,6 +3887,531 @@
 </p:sld>
 </file>
 
+<file path=ppt/slides/slide10.xml><?xml version="1.0" encoding="utf-8"?>
+<p:sld xmlns:a="http://schemas.openxmlformats.org/drawingml/2006/main" xmlns:r="http://schemas.openxmlformats.org/officeDocument/2006/relationships" xmlns:p="http://schemas.openxmlformats.org/presentationml/2006/main">
+  <p:cSld>
+    <p:spTree>
+      <p:nvGrpSpPr>
+        <p:cNvPr id="1" name=""/>
+        <p:cNvGrpSpPr/>
+        <p:nvPr/>
+      </p:nvGrpSpPr>
+      <p:grpSpPr>
+        <a:xfrm>
+          <a:off x="0" y="0"/>
+          <a:ext cx="0" cy="0"/>
+          <a:chOff x="0" y="0"/>
+          <a:chExt cx="0" cy="0"/>
+        </a:xfrm>
+      </p:grpSpPr>
+      <p:sp>
+        <p:nvSpPr>
+          <p:cNvPr id="2" name="Titolo 1">
+            <a:extLst>
+              <a:ext uri="{FF2B5EF4-FFF2-40B4-BE49-F238E27FC236}">
+                <a16:creationId xmlns:a16="http://schemas.microsoft.com/office/drawing/2014/main" id="{77B06911-A76A-CF0E-3896-E6C63880F998}"/>
+              </a:ext>
+            </a:extLst>
+          </p:cNvPr>
+          <p:cNvSpPr>
+            <a:spLocks noGrp="1"/>
+          </p:cNvSpPr>
+          <p:nvPr>
+            <p:ph type="title"/>
+          </p:nvPr>
+        </p:nvSpPr>
+        <p:spPr/>
+        <p:txBody>
+          <a:bodyPr/>
+          <a:lstStyle/>
+          <a:p>
+            <a:r>
+              <a:rPr lang="en-GB" dirty="0"/>
+              <a:t>Pic</a:t>
+            </a:r>
+          </a:p>
+        </p:txBody>
+      </p:sp>
+      <p:pic>
+        <p:nvPicPr>
+          <p:cNvPr id="6" name="Immagine 5">
+            <a:extLst>
+              <a:ext uri="{FF2B5EF4-FFF2-40B4-BE49-F238E27FC236}">
+                <a16:creationId xmlns:a16="http://schemas.microsoft.com/office/drawing/2014/main" id="{5BCFAC89-9A9C-102D-1B3A-A7F5EFA10B83}"/>
+              </a:ext>
+            </a:extLst>
+          </p:cNvPr>
+          <p:cNvPicPr>
+            <a:picLocks noChangeAspect="1"/>
+          </p:cNvPicPr>
+          <p:nvPr/>
+        </p:nvPicPr>
+        <p:blipFill>
+          <a:blip r:embed="rId2"/>
+          <a:srcRect/>
+          <a:stretch/>
+        </p:blipFill>
+        <p:spPr>
+          <a:xfrm>
+            <a:off x="3451690" y="3191120"/>
+            <a:ext cx="5288619" cy="2780183"/>
+          </a:xfrm>
+          <a:prstGeom prst="rect">
+            <a:avLst/>
+          </a:prstGeom>
+          <a:ln>
+            <a:solidFill>
+              <a:schemeClr val="tx1"/>
+            </a:solidFill>
+          </a:ln>
+        </p:spPr>
+      </p:pic>
+      <p:pic>
+        <p:nvPicPr>
+          <p:cNvPr id="10" name="Immagine 9">
+            <a:extLst>
+              <a:ext uri="{FF2B5EF4-FFF2-40B4-BE49-F238E27FC236}">
+                <a16:creationId xmlns:a16="http://schemas.microsoft.com/office/drawing/2014/main" id="{E63297BA-DFE7-67B9-E54D-586E34299851}"/>
+              </a:ext>
+            </a:extLst>
+          </p:cNvPr>
+          <p:cNvPicPr>
+            <a:picLocks noChangeAspect="1"/>
+          </p:cNvPicPr>
+          <p:nvPr/>
+        </p:nvPicPr>
+        <p:blipFill>
+          <a:blip r:embed="rId3"/>
+          <a:srcRect/>
+          <a:stretch/>
+        </p:blipFill>
+        <p:spPr>
+          <a:xfrm>
+            <a:off x="2209799" y="1691626"/>
+            <a:ext cx="7772400" cy="1299605"/>
+          </a:xfrm>
+          <a:prstGeom prst="rect">
+            <a:avLst/>
+          </a:prstGeom>
+        </p:spPr>
+      </p:pic>
+    </p:spTree>
+    <p:extLst>
+      <p:ext uri="{BB962C8B-B14F-4D97-AF65-F5344CB8AC3E}">
+        <p14:creationId xmlns:p14="http://schemas.microsoft.com/office/powerpoint/2010/main" val="2273500275"/>
+      </p:ext>
+    </p:extLst>
+  </p:cSld>
+  <p:clrMapOvr>
+    <a:masterClrMapping/>
+  </p:clrMapOvr>
+</p:sld>
+</file>
+
+<file path=ppt/slides/slide11.xml><?xml version="1.0" encoding="utf-8"?>
+<p:sld xmlns:a="http://schemas.openxmlformats.org/drawingml/2006/main" xmlns:r="http://schemas.openxmlformats.org/officeDocument/2006/relationships" xmlns:p="http://schemas.openxmlformats.org/presentationml/2006/main">
+  <p:cSld>
+    <p:spTree>
+      <p:nvGrpSpPr>
+        <p:cNvPr id="1" name=""/>
+        <p:cNvGrpSpPr/>
+        <p:nvPr/>
+      </p:nvGrpSpPr>
+      <p:grpSpPr>
+        <a:xfrm>
+          <a:off x="0" y="0"/>
+          <a:ext cx="0" cy="0"/>
+          <a:chOff x="0" y="0"/>
+          <a:chExt cx="0" cy="0"/>
+        </a:xfrm>
+      </p:grpSpPr>
+      <p:sp>
+        <p:nvSpPr>
+          <p:cNvPr id="2" name="Titolo 1">
+            <a:extLst>
+              <a:ext uri="{FF2B5EF4-FFF2-40B4-BE49-F238E27FC236}">
+                <a16:creationId xmlns:a16="http://schemas.microsoft.com/office/drawing/2014/main" id="{77B06911-A76A-CF0E-3896-E6C63880F998}"/>
+              </a:ext>
+            </a:extLst>
+          </p:cNvPr>
+          <p:cNvSpPr>
+            <a:spLocks noGrp="1"/>
+          </p:cNvSpPr>
+          <p:nvPr>
+            <p:ph type="title"/>
+          </p:nvPr>
+        </p:nvSpPr>
+        <p:spPr/>
+        <p:txBody>
+          <a:bodyPr/>
+          <a:lstStyle/>
+          <a:p>
+            <a:r>
+              <a:rPr lang="en-GB" dirty="0"/>
+              <a:t>Add pic</a:t>
+            </a:r>
+          </a:p>
+        </p:txBody>
+      </p:sp>
+      <p:pic>
+        <p:nvPicPr>
+          <p:cNvPr id="6" name="Immagine 5">
+            <a:extLst>
+              <a:ext uri="{FF2B5EF4-FFF2-40B4-BE49-F238E27FC236}">
+                <a16:creationId xmlns:a16="http://schemas.microsoft.com/office/drawing/2014/main" id="{5BCFAC89-9A9C-102D-1B3A-A7F5EFA10B83}"/>
+              </a:ext>
+            </a:extLst>
+          </p:cNvPr>
+          <p:cNvPicPr>
+            <a:picLocks noChangeAspect="1"/>
+          </p:cNvPicPr>
+          <p:nvPr/>
+        </p:nvPicPr>
+        <p:blipFill>
+          <a:blip r:embed="rId2"/>
+          <a:srcRect/>
+          <a:stretch/>
+        </p:blipFill>
+        <p:spPr>
+          <a:xfrm>
+            <a:off x="3063140" y="2789259"/>
+            <a:ext cx="6065720" cy="3176900"/>
+          </a:xfrm>
+          <a:prstGeom prst="rect">
+            <a:avLst/>
+          </a:prstGeom>
+          <a:ln>
+            <a:solidFill>
+              <a:schemeClr val="tx1"/>
+            </a:solidFill>
+          </a:ln>
+        </p:spPr>
+      </p:pic>
+      <p:pic>
+        <p:nvPicPr>
+          <p:cNvPr id="10" name="Immagine 9">
+            <a:extLst>
+              <a:ext uri="{FF2B5EF4-FFF2-40B4-BE49-F238E27FC236}">
+                <a16:creationId xmlns:a16="http://schemas.microsoft.com/office/drawing/2014/main" id="{E63297BA-DFE7-67B9-E54D-586E34299851}"/>
+              </a:ext>
+            </a:extLst>
+          </p:cNvPr>
+          <p:cNvPicPr>
+            <a:picLocks noChangeAspect="1"/>
+          </p:cNvPicPr>
+          <p:nvPr/>
+        </p:nvPicPr>
+        <p:blipFill>
+          <a:blip r:embed="rId3"/>
+          <a:srcRect/>
+          <a:stretch/>
+        </p:blipFill>
+        <p:spPr>
+          <a:xfrm>
+            <a:off x="2209799" y="1711410"/>
+            <a:ext cx="7772400" cy="706581"/>
+          </a:xfrm>
+          <a:prstGeom prst="rect">
+            <a:avLst/>
+          </a:prstGeom>
+        </p:spPr>
+      </p:pic>
+    </p:spTree>
+    <p:extLst>
+      <p:ext uri="{BB962C8B-B14F-4D97-AF65-F5344CB8AC3E}">
+        <p14:creationId xmlns:p14="http://schemas.microsoft.com/office/powerpoint/2010/main" val="1975307702"/>
+      </p:ext>
+    </p:extLst>
+  </p:cSld>
+  <p:clrMapOvr>
+    <a:masterClrMapping/>
+  </p:clrMapOvr>
+</p:sld>
+</file>
+
+<file path=ppt/slides/slide12.xml><?xml version="1.0" encoding="utf-8"?>
+<p:sld xmlns:a="http://schemas.openxmlformats.org/drawingml/2006/main" xmlns:r="http://schemas.openxmlformats.org/officeDocument/2006/relationships" xmlns:p="http://schemas.openxmlformats.org/presentationml/2006/main">
+  <p:cSld>
+    <p:spTree>
+      <p:nvGrpSpPr>
+        <p:cNvPr id="1" name=""/>
+        <p:cNvGrpSpPr/>
+        <p:nvPr/>
+      </p:nvGrpSpPr>
+      <p:grpSpPr>
+        <a:xfrm>
+          <a:off x="0" y="0"/>
+          <a:ext cx="0" cy="0"/>
+          <a:chOff x="0" y="0"/>
+          <a:chExt cx="0" cy="0"/>
+        </a:xfrm>
+      </p:grpSpPr>
+      <p:sp>
+        <p:nvSpPr>
+          <p:cNvPr id="2" name="Titolo 1">
+            <a:extLst>
+              <a:ext uri="{FF2B5EF4-FFF2-40B4-BE49-F238E27FC236}">
+                <a16:creationId xmlns:a16="http://schemas.microsoft.com/office/drawing/2014/main" id="{72C022D6-5BC0-8D31-9835-0DA76BCFB370}"/>
+              </a:ext>
+            </a:extLst>
+          </p:cNvPr>
+          <p:cNvSpPr>
+            <a:spLocks noGrp="1"/>
+          </p:cNvSpPr>
+          <p:nvPr>
+            <p:ph type="title"/>
+          </p:nvPr>
+        </p:nvSpPr>
+        <p:spPr/>
+        <p:txBody>
+          <a:bodyPr/>
+          <a:lstStyle/>
+          <a:p>
+            <a:r>
+              <a:rPr lang="it-IT" dirty="0" err="1">
+                <a:cs typeface="Lao UI" panose="020B0502040204020203" pitchFamily="34" charset="0"/>
+              </a:rPr>
+              <a:t>Effort</a:t>
+            </a:r>
+            <a:r>
+              <a:rPr lang="it-IT" dirty="0">
+                <a:latin typeface="Lao UI" panose="020B0502040204020203" pitchFamily="34" charset="0"/>
+                <a:cs typeface="Lao UI" panose="020B0502040204020203" pitchFamily="34" charset="0"/>
+              </a:rPr>
+              <a:t> </a:t>
+            </a:r>
+            <a:r>
+              <a:rPr lang="it-IT" dirty="0" err="1">
+                <a:latin typeface="Lao UI" panose="020B0502040204020203" pitchFamily="34" charset="0"/>
+                <a:cs typeface="Lao UI" panose="020B0502040204020203" pitchFamily="34" charset="0"/>
+              </a:rPr>
+              <a:t>estimation</a:t>
+            </a:r>
+            <a:endParaRPr lang="it-IT" dirty="0">
+              <a:latin typeface="Lao UI" panose="020B0502040204020203" pitchFamily="34" charset="0"/>
+              <a:cs typeface="Lao UI" panose="020B0502040204020203" pitchFamily="34" charset="0"/>
+            </a:endParaRPr>
+          </a:p>
+        </p:txBody>
+      </p:sp>
+      <p:sp>
+        <p:nvSpPr>
+          <p:cNvPr id="3" name="Segnaposto contenuto 2">
+            <a:extLst>
+              <a:ext uri="{FF2B5EF4-FFF2-40B4-BE49-F238E27FC236}">
+                <a16:creationId xmlns:a16="http://schemas.microsoft.com/office/drawing/2014/main" id="{06BE515D-DE10-EEAB-379C-2DAE4341ACFC}"/>
+              </a:ext>
+            </a:extLst>
+          </p:cNvPr>
+          <p:cNvSpPr>
+            <a:spLocks noGrp="1"/>
+          </p:cNvSpPr>
+          <p:nvPr>
+            <p:ph idx="1"/>
+          </p:nvPr>
+        </p:nvSpPr>
+        <p:spPr/>
+        <p:txBody>
+          <a:bodyPr>
+            <a:normAutofit/>
+          </a:bodyPr>
+          <a:lstStyle/>
+          <a:p>
+            <a:pPr marL="0" indent="0" algn="just">
+              <a:buNone/>
+            </a:pPr>
+            <a:r>
+              <a:rPr lang="it-IT" dirty="0">
+                <a:cs typeface="Lao UI" panose="020B0502040204020203" pitchFamily="34" charset="0"/>
+              </a:rPr>
+              <a:t>We</a:t>
+            </a:r>
+            <a:r>
+              <a:rPr lang="it-IT" dirty="0">
+                <a:latin typeface="Lao UI" panose="020B0502040204020203" pitchFamily="34" charset="0"/>
+                <a:cs typeface="Lao UI" panose="020B0502040204020203" pitchFamily="34" charset="0"/>
+              </a:rPr>
+              <a:t> use Function Points and </a:t>
+            </a:r>
+            <a:r>
+              <a:rPr lang="it-IT" dirty="0" err="1">
+                <a:latin typeface="Lao UI" panose="020B0502040204020203" pitchFamily="34" charset="0"/>
+                <a:cs typeface="Lao UI" panose="020B0502040204020203" pitchFamily="34" charset="0"/>
+              </a:rPr>
+              <a:t>CoCoMo</a:t>
+            </a:r>
+            <a:r>
+              <a:rPr lang="it-IT" dirty="0">
+                <a:latin typeface="Lao UI" panose="020B0502040204020203" pitchFamily="34" charset="0"/>
+                <a:cs typeface="Lao UI" panose="020B0502040204020203" pitchFamily="34" charset="0"/>
+              </a:rPr>
+              <a:t> II to estimate the complexity of the software </a:t>
+            </a:r>
+            <a:r>
+              <a:rPr lang="it-IT" dirty="0" err="1">
+                <a:latin typeface="Lao UI" panose="020B0502040204020203" pitchFamily="34" charset="0"/>
+                <a:cs typeface="Lao UI" panose="020B0502040204020203" pitchFamily="34" charset="0"/>
+              </a:rPr>
+              <a:t>development</a:t>
+            </a:r>
+            <a:endParaRPr lang="it-IT" dirty="0">
+              <a:latin typeface="Lao UI" panose="020B0502040204020203" pitchFamily="34" charset="0"/>
+              <a:cs typeface="Lao UI" panose="020B0502040204020203" pitchFamily="34" charset="0"/>
+            </a:endParaRPr>
+          </a:p>
+          <a:p>
+            <a:pPr marL="0" indent="0" algn="just">
+              <a:buNone/>
+            </a:pPr>
+            <a:endParaRPr lang="it-IT" dirty="0">
+              <a:latin typeface="Lao UI" panose="020B0502040204020203" pitchFamily="34" charset="0"/>
+              <a:cs typeface="Lao UI" panose="020B0502040204020203" pitchFamily="34" charset="0"/>
+            </a:endParaRPr>
+          </a:p>
+          <a:p>
+            <a:pPr marL="0" indent="0" algn="just">
+              <a:buNone/>
+            </a:pPr>
+            <a:r>
+              <a:rPr lang="it-IT" dirty="0" err="1">
+                <a:cs typeface="Lao UI" panose="020B0502040204020203" pitchFamily="34" charset="0"/>
+              </a:rPr>
+              <a:t>Unadjusted</a:t>
+            </a:r>
+            <a:r>
+              <a:rPr lang="it-IT" dirty="0">
+                <a:cs typeface="Lao UI" panose="020B0502040204020203" pitchFamily="34" charset="0"/>
+              </a:rPr>
+              <a:t> function points = 116</a:t>
+            </a:r>
+          </a:p>
+          <a:p>
+            <a:pPr marL="0" indent="0" algn="just">
+              <a:buNone/>
+            </a:pPr>
+            <a:r>
+              <a:rPr lang="it-IT" dirty="0" err="1">
+                <a:cs typeface="Lao UI" panose="020B0502040204020203" pitchFamily="34" charset="0"/>
+              </a:rPr>
+              <a:t>Equivalent</a:t>
+            </a:r>
+            <a:r>
+              <a:rPr lang="it-IT" dirty="0">
+                <a:cs typeface="Lao UI" panose="020B0502040204020203" pitchFamily="34" charset="0"/>
+              </a:rPr>
+              <a:t> SLOC in Java 6148</a:t>
+            </a:r>
+          </a:p>
+        </p:txBody>
+      </p:sp>
+    </p:spTree>
+    <p:extLst>
+      <p:ext uri="{BB962C8B-B14F-4D97-AF65-F5344CB8AC3E}">
+        <p14:creationId xmlns:p14="http://schemas.microsoft.com/office/powerpoint/2010/main" val="3640951987"/>
+      </p:ext>
+    </p:extLst>
+  </p:cSld>
+  <p:clrMapOvr>
+    <a:masterClrMapping/>
+  </p:clrMapOvr>
+</p:sld>
+</file>
+
+<file path=ppt/slides/slide13.xml><?xml version="1.0" encoding="utf-8"?>
+<p:sld xmlns:a="http://schemas.openxmlformats.org/drawingml/2006/main" xmlns:r="http://schemas.openxmlformats.org/officeDocument/2006/relationships" xmlns:p="http://schemas.openxmlformats.org/presentationml/2006/main">
+  <p:cSld>
+    <p:spTree>
+      <p:nvGrpSpPr>
+        <p:cNvPr id="1" name=""/>
+        <p:cNvGrpSpPr/>
+        <p:nvPr/>
+      </p:nvGrpSpPr>
+      <p:grpSpPr>
+        <a:xfrm>
+          <a:off x="0" y="0"/>
+          <a:ext cx="0" cy="0"/>
+          <a:chOff x="0" y="0"/>
+          <a:chExt cx="0" cy="0"/>
+        </a:xfrm>
+      </p:grpSpPr>
+      <p:sp>
+        <p:nvSpPr>
+          <p:cNvPr id="2" name="Titolo 1">
+            <a:extLst>
+              <a:ext uri="{FF2B5EF4-FFF2-40B4-BE49-F238E27FC236}">
+                <a16:creationId xmlns:a16="http://schemas.microsoft.com/office/drawing/2014/main" id="{6774F34A-1596-245D-7225-8E04A7DF9B6F}"/>
+              </a:ext>
+            </a:extLst>
+          </p:cNvPr>
+          <p:cNvSpPr>
+            <a:spLocks noGrp="1"/>
+          </p:cNvSpPr>
+          <p:nvPr>
+            <p:ph type="title"/>
+          </p:nvPr>
+        </p:nvSpPr>
+        <p:spPr>
+          <a:xfrm>
+            <a:off x="629578" y="2913355"/>
+            <a:ext cx="2957684" cy="1031290"/>
+          </a:xfrm>
+        </p:spPr>
+        <p:txBody>
+          <a:bodyPr anchor="t">
+            <a:normAutofit/>
+          </a:bodyPr>
+          <a:lstStyle/>
+          <a:p>
+            <a:r>
+              <a:rPr lang="it-IT" dirty="0"/>
+              <a:t>System architetture</a:t>
+            </a:r>
+          </a:p>
+        </p:txBody>
+      </p:sp>
+      <p:pic>
+        <p:nvPicPr>
+          <p:cNvPr id="9" name="Immagine 8">
+            <a:extLst>
+              <a:ext uri="{FF2B5EF4-FFF2-40B4-BE49-F238E27FC236}">
+                <a16:creationId xmlns:a16="http://schemas.microsoft.com/office/drawing/2014/main" id="{A4CA16FE-FF09-3D18-3FA2-8FBA8009C50A}"/>
+              </a:ext>
+            </a:extLst>
+          </p:cNvPr>
+          <p:cNvPicPr>
+            <a:picLocks noChangeAspect="1"/>
+          </p:cNvPicPr>
+          <p:nvPr/>
+        </p:nvPicPr>
+        <p:blipFill>
+          <a:blip r:embed="rId2"/>
+          <a:stretch>
+            <a:fillRect/>
+          </a:stretch>
+        </p:blipFill>
+        <p:spPr>
+          <a:xfrm>
+            <a:off x="3865455" y="920091"/>
+            <a:ext cx="7620026" cy="5017818"/>
+          </a:xfrm>
+          <a:prstGeom prst="rect">
+            <a:avLst/>
+          </a:prstGeom>
+        </p:spPr>
+      </p:pic>
+    </p:spTree>
+    <p:extLst>
+      <p:ext uri="{BB962C8B-B14F-4D97-AF65-F5344CB8AC3E}">
+        <p14:creationId xmlns:p14="http://schemas.microsoft.com/office/powerpoint/2010/main" val="4209889365"/>
+      </p:ext>
+    </p:extLst>
+  </p:cSld>
+  <p:clrMapOvr>
+    <a:masterClrMapping/>
+  </p:clrMapOvr>
+</p:sld>
+</file>
+
 <file path=ppt/slides/slide2.xml><?xml version="1.0" encoding="utf-8"?>
 <p:sld xmlns:a="http://schemas.openxmlformats.org/drawingml/2006/main" xmlns:r="http://schemas.openxmlformats.org/officeDocument/2006/relationships" xmlns:p="http://schemas.openxmlformats.org/presentationml/2006/main">
   <p:cSld>
@@ -3990,8 +4524,8 @@
         </p:nvSpPr>
         <p:spPr>
           <a:xfrm>
-            <a:off x="8115300" y="961927"/>
-            <a:ext cx="3427951" cy="5105566"/>
+            <a:off x="588729" y="1839119"/>
+            <a:ext cx="10954523" cy="4228373"/>
           </a:xfrm>
         </p:spPr>
         <p:txBody>
@@ -3999,6 +4533,344 @@
             <a:normAutofit/>
           </a:bodyPr>
           <a:lstStyle/>
+          <a:p>
+            <a:pPr marL="0" indent="0">
+              <a:buNone/>
+            </a:pPr>
+            <a:r>
+              <a:rPr lang="it-IT" sz="1800" dirty="0">
+                <a:effectLst/>
+              </a:rPr>
+              <a:t>Interactive dashboard to look for images </a:t>
+            </a:r>
+            <a:r>
+              <a:rPr lang="it-IT" sz="1800" dirty="0" err="1">
+                <a:effectLst/>
+              </a:rPr>
+              <a:t>uploaded</a:t>
+            </a:r>
+            <a:r>
+              <a:rPr lang="it-IT" sz="1800" dirty="0">
+                <a:effectLst/>
+              </a:rPr>
+              <a:t> by </a:t>
+            </a:r>
+            <a:r>
+              <a:rPr lang="it-IT" sz="1800" dirty="0" err="1">
+                <a:effectLst/>
+              </a:rPr>
+              <a:t>other</a:t>
+            </a:r>
+            <a:r>
+              <a:rPr lang="it-IT" sz="1800" dirty="0">
+                <a:effectLst/>
+              </a:rPr>
+              <a:t> users. </a:t>
+            </a:r>
+          </a:p>
+          <a:p>
+            <a:pPr marL="0" indent="0">
+              <a:buNone/>
+            </a:pPr>
+            <a:endParaRPr lang="it-IT" sz="1800" dirty="0">
+              <a:latin typeface="CMR10"/>
+            </a:endParaRPr>
+          </a:p>
+          <a:p>
+            <a:pPr marL="0" indent="0">
+              <a:buNone/>
+            </a:pPr>
+            <a:r>
+              <a:rPr lang="en-GB" b="1" dirty="0">
+                <a:solidFill>
+                  <a:srgbClr val="BD1109"/>
+                </a:solidFill>
+                <a:latin typeface="+mj-lt"/>
+              </a:rPr>
+              <a:t>Functionalities:</a:t>
+            </a:r>
+          </a:p>
+          <a:p>
+            <a:pPr>
+              <a:buFont typeface="Arial" panose="020B0604020202020204" pitchFamily="34" charset="0"/>
+              <a:buChar char="•"/>
+            </a:pPr>
+            <a:r>
+              <a:rPr lang="it-IT" sz="1800" dirty="0">
+                <a:effectLst/>
+              </a:rPr>
+              <a:t>Show the dashboard with </a:t>
+            </a:r>
+            <a:r>
+              <a:rPr lang="it-IT" sz="1800" dirty="0" err="1">
+                <a:effectLst/>
+              </a:rPr>
+              <a:t>most</a:t>
+            </a:r>
+            <a:r>
+              <a:rPr lang="it-IT" sz="1800" dirty="0">
+                <a:effectLst/>
+              </a:rPr>
+              <a:t> </a:t>
+            </a:r>
+            <a:r>
+              <a:rPr lang="it-IT" sz="1800" dirty="0" err="1">
+                <a:effectLst/>
+              </a:rPr>
+              <a:t>popular</a:t>
+            </a:r>
+            <a:r>
+              <a:rPr lang="it-IT" sz="1800" dirty="0">
+                <a:effectLst/>
+              </a:rPr>
+              <a:t> images and images </a:t>
+            </a:r>
+            <a:r>
+              <a:rPr lang="it-IT" sz="1800" dirty="0" err="1">
+                <a:effectLst/>
+              </a:rPr>
+              <a:t>uploaded</a:t>
+            </a:r>
+            <a:r>
+              <a:rPr lang="it-IT" sz="1800" dirty="0">
+                <a:effectLst/>
+              </a:rPr>
+              <a:t> by </a:t>
+            </a:r>
+            <a:r>
+              <a:rPr lang="it-IT" sz="1800" dirty="0" err="1">
+                <a:effectLst/>
+              </a:rPr>
+              <a:t>followed</a:t>
+            </a:r>
+            <a:r>
+              <a:rPr lang="it-IT" sz="1800" dirty="0">
+                <a:effectLst/>
+              </a:rPr>
+              <a:t> users </a:t>
+            </a:r>
+          </a:p>
+          <a:p>
+            <a:pPr>
+              <a:buFont typeface="Arial" panose="020B0604020202020204" pitchFamily="34" charset="0"/>
+              <a:buChar char="•"/>
+            </a:pPr>
+            <a:r>
+              <a:rPr lang="it-IT" sz="1800" dirty="0" err="1">
+                <a:effectLst/>
+              </a:rPr>
+              <a:t>Manage</a:t>
+            </a:r>
+            <a:r>
+              <a:rPr lang="it-IT" sz="1800" dirty="0">
+                <a:effectLst/>
+              </a:rPr>
+              <a:t> user authentication </a:t>
+            </a:r>
+          </a:p>
+          <a:p>
+            <a:pPr>
+              <a:buFont typeface="Arial" panose="020B0604020202020204" pitchFamily="34" charset="0"/>
+              <a:buChar char="•"/>
+            </a:pPr>
+            <a:r>
+              <a:rPr lang="it-IT" sz="1800" dirty="0">
+                <a:effectLst/>
+              </a:rPr>
+              <a:t>Show a page </a:t>
+            </a:r>
+            <a:r>
+              <a:rPr lang="it-IT" sz="1800" dirty="0" err="1">
+                <a:effectLst/>
+              </a:rPr>
+              <a:t>related</a:t>
+            </a:r>
+            <a:r>
+              <a:rPr lang="it-IT" sz="1800" dirty="0">
+                <a:effectLst/>
+              </a:rPr>
+              <a:t> to users’ </a:t>
+            </a:r>
+            <a:r>
+              <a:rPr lang="it-IT" sz="1800" dirty="0" err="1">
+                <a:effectLst/>
+              </a:rPr>
+              <a:t>profiles</a:t>
+            </a:r>
+            <a:r>
+              <a:rPr lang="it-IT" sz="1800" dirty="0">
+                <a:effectLst/>
+              </a:rPr>
+              <a:t> </a:t>
+            </a:r>
+            <a:r>
+              <a:rPr lang="it-IT" sz="1800" dirty="0" err="1">
+                <a:effectLst/>
+              </a:rPr>
+              <a:t>containing</a:t>
+            </a:r>
+            <a:r>
+              <a:rPr lang="it-IT" sz="1800" dirty="0">
+                <a:effectLst/>
+              </a:rPr>
+              <a:t> </a:t>
+            </a:r>
+            <a:r>
+              <a:rPr lang="it-IT" sz="1800" dirty="0" err="1">
+                <a:effectLst/>
+              </a:rPr>
+              <a:t>all</a:t>
+            </a:r>
+            <a:r>
+              <a:rPr lang="it-IT" sz="1800" dirty="0">
+                <a:effectLst/>
+              </a:rPr>
+              <a:t> the images </a:t>
+            </a:r>
+            <a:r>
+              <a:rPr lang="it-IT" sz="1800" dirty="0" err="1">
+                <a:effectLst/>
+              </a:rPr>
+              <a:t>uploaded</a:t>
+            </a:r>
+            <a:r>
+              <a:rPr lang="it-IT" sz="1800" dirty="0">
+                <a:effectLst/>
+              </a:rPr>
+              <a:t> by </a:t>
+            </a:r>
+            <a:r>
+              <a:rPr lang="it-IT" sz="1800" dirty="0" err="1">
+                <a:effectLst/>
+              </a:rPr>
+              <a:t>them</a:t>
+            </a:r>
+            <a:r>
+              <a:rPr lang="it-IT" sz="1800" dirty="0">
+                <a:effectLst/>
+              </a:rPr>
+              <a:t> </a:t>
+            </a:r>
+          </a:p>
+          <a:p>
+            <a:pPr>
+              <a:buFont typeface="Arial" panose="020B0604020202020204" pitchFamily="34" charset="0"/>
+              <a:buChar char="•"/>
+            </a:pPr>
+            <a:r>
+              <a:rPr lang="it-IT" sz="1800" dirty="0" err="1">
+                <a:effectLst/>
+              </a:rPr>
+              <a:t>Allow</a:t>
+            </a:r>
+            <a:r>
+              <a:rPr lang="it-IT" sz="1800" dirty="0">
+                <a:effectLst/>
+              </a:rPr>
+              <a:t> users to upload, </a:t>
+            </a:r>
+            <a:r>
+              <a:rPr lang="it-IT" sz="1800" dirty="0" err="1">
+                <a:effectLst/>
+              </a:rPr>
+              <a:t>search</a:t>
+            </a:r>
+            <a:r>
+              <a:rPr lang="it-IT" sz="1800" dirty="0">
+                <a:effectLst/>
+              </a:rPr>
+              <a:t> and </a:t>
+            </a:r>
+            <a:r>
+              <a:rPr lang="it-IT" sz="1800" dirty="0" err="1">
+                <a:effectLst/>
+              </a:rPr>
+              <a:t>see</a:t>
+            </a:r>
+            <a:r>
+              <a:rPr lang="it-IT" sz="1800" dirty="0">
+                <a:effectLst/>
+              </a:rPr>
+              <a:t> images </a:t>
+            </a:r>
+          </a:p>
+          <a:p>
+            <a:pPr>
+              <a:buFont typeface="Arial" panose="020B0604020202020204" pitchFamily="34" charset="0"/>
+              <a:buChar char="•"/>
+            </a:pPr>
+            <a:r>
+              <a:rPr lang="it-IT" sz="1800" dirty="0" err="1">
+                <a:effectLst/>
+              </a:rPr>
+              <a:t>Allow</a:t>
+            </a:r>
+            <a:r>
+              <a:rPr lang="it-IT" sz="1800" dirty="0">
+                <a:effectLst/>
+              </a:rPr>
+              <a:t> users to follow </a:t>
+            </a:r>
+            <a:r>
+              <a:rPr lang="it-IT" sz="1800" dirty="0" err="1">
+                <a:effectLst/>
+              </a:rPr>
+              <a:t>other</a:t>
+            </a:r>
+            <a:r>
+              <a:rPr lang="it-IT" sz="1800" dirty="0">
+                <a:effectLst/>
+              </a:rPr>
+              <a:t> users to </a:t>
+            </a:r>
+            <a:r>
+              <a:rPr lang="it-IT" sz="1800" dirty="0" err="1">
+                <a:effectLst/>
+              </a:rPr>
+              <a:t>easily</a:t>
+            </a:r>
+            <a:r>
+              <a:rPr lang="it-IT" sz="1800" dirty="0">
+                <a:effectLst/>
+              </a:rPr>
+              <a:t> access </a:t>
+            </a:r>
+            <a:r>
+              <a:rPr lang="it-IT" sz="1800" dirty="0" err="1">
+                <a:effectLst/>
+              </a:rPr>
+              <a:t>their</a:t>
+            </a:r>
+            <a:r>
+              <a:rPr lang="it-IT" sz="1800" dirty="0">
+                <a:effectLst/>
+              </a:rPr>
+              <a:t> user </a:t>
+            </a:r>
+            <a:r>
+              <a:rPr lang="it-IT" sz="1800" dirty="0" err="1">
+                <a:effectLst/>
+              </a:rPr>
+              <a:t>profile</a:t>
+            </a:r>
+            <a:r>
+              <a:rPr lang="it-IT" sz="1800" dirty="0">
+                <a:effectLst/>
+              </a:rPr>
+              <a:t> and images </a:t>
+            </a:r>
+            <a:endParaRPr lang="en-GB" sz="1800" dirty="0">
+              <a:solidFill>
+                <a:srgbClr val="BD1109"/>
+              </a:solidFill>
+            </a:endParaRPr>
+          </a:p>
+          <a:p>
+            <a:pPr marL="0" indent="0">
+              <a:buNone/>
+            </a:pPr>
+            <a:endParaRPr lang="it-IT" dirty="0"/>
+          </a:p>
           <a:p>
             <a:pPr marL="0" indent="0">
               <a:buNone/>
@@ -4053,7 +4925,7 @@
                   <a:spcPts val="600"/>
                 </a:spcAft>
               </a:pPr>
-              <a:t>4/11/2023</a:t>
+              <a:t>4/12/23</a:t>
             </a:fld>
             <a:endParaRPr lang="en-US" dirty="0">
               <a:solidFill>
@@ -4150,155 +5022,45 @@
           <p:cNvPr id="2" name="Titolo 1">
             <a:extLst>
               <a:ext uri="{FF2B5EF4-FFF2-40B4-BE49-F238E27FC236}">
-                <a16:creationId xmlns:a16="http://schemas.microsoft.com/office/drawing/2014/main" id="{72C022D6-5BC0-8D31-9835-0DA76BCFB370}"/>
-              </a:ext>
-            </a:extLst>
-          </p:cNvPr>
-          <p:cNvSpPr>
-            <a:spLocks noGrp="1"/>
-          </p:cNvSpPr>
-          <p:nvPr>
-            <p:ph type="title"/>
-          </p:nvPr>
-        </p:nvSpPr>
-        <p:spPr/>
-        <p:txBody>
-          <a:bodyPr/>
-          <a:lstStyle/>
-          <a:p>
-            <a:r>
-              <a:rPr lang="it-IT" dirty="0" err="1">
-                <a:cs typeface="Lao UI" panose="020B0502040204020203" pitchFamily="34" charset="0"/>
-              </a:rPr>
-              <a:t>Effort</a:t>
-            </a:r>
-            <a:r>
-              <a:rPr lang="it-IT" dirty="0">
-                <a:latin typeface="Lao UI" panose="020B0502040204020203" pitchFamily="34" charset="0"/>
-                <a:cs typeface="Lao UI" panose="020B0502040204020203" pitchFamily="34" charset="0"/>
-              </a:rPr>
-              <a:t> </a:t>
-            </a:r>
-            <a:r>
-              <a:rPr lang="it-IT" dirty="0" err="1">
-                <a:latin typeface="Lao UI" panose="020B0502040204020203" pitchFamily="34" charset="0"/>
-                <a:cs typeface="Lao UI" panose="020B0502040204020203" pitchFamily="34" charset="0"/>
-              </a:rPr>
-              <a:t>estimation</a:t>
-            </a:r>
-            <a:endParaRPr lang="it-IT" dirty="0">
-              <a:latin typeface="Lao UI" panose="020B0502040204020203" pitchFamily="34" charset="0"/>
-              <a:cs typeface="Lao UI" panose="020B0502040204020203" pitchFamily="34" charset="0"/>
-            </a:endParaRPr>
-          </a:p>
-        </p:txBody>
-      </p:sp>
-      <p:sp>
-        <p:nvSpPr>
-          <p:cNvPr id="3" name="Segnaposto contenuto 2">
-            <a:extLst>
-              <a:ext uri="{FF2B5EF4-FFF2-40B4-BE49-F238E27FC236}">
-                <a16:creationId xmlns:a16="http://schemas.microsoft.com/office/drawing/2014/main" id="{06BE515D-DE10-EEAB-379C-2DAE4341ACFC}"/>
-              </a:ext>
-            </a:extLst>
-          </p:cNvPr>
-          <p:cNvSpPr>
-            <a:spLocks noGrp="1"/>
-          </p:cNvSpPr>
-          <p:nvPr>
-            <p:ph idx="1"/>
-          </p:nvPr>
-        </p:nvSpPr>
-        <p:spPr/>
-        <p:txBody>
-          <a:bodyPr>
-            <a:normAutofit/>
-          </a:bodyPr>
-          <a:lstStyle/>
-          <a:p>
-            <a:pPr marL="0" indent="0" algn="just">
-              <a:buNone/>
-            </a:pPr>
-            <a:r>
-              <a:rPr lang="it-IT" dirty="0">
-                <a:cs typeface="Lao UI" panose="020B0502040204020203" pitchFamily="34" charset="0"/>
-              </a:rPr>
-              <a:t>We</a:t>
-            </a:r>
-            <a:r>
-              <a:rPr lang="it-IT" dirty="0">
-                <a:latin typeface="Lao UI" panose="020B0502040204020203" pitchFamily="34" charset="0"/>
-                <a:cs typeface="Lao UI" panose="020B0502040204020203" pitchFamily="34" charset="0"/>
-              </a:rPr>
-              <a:t> use Function Points and </a:t>
-            </a:r>
-            <a:r>
-              <a:rPr lang="it-IT" dirty="0" err="1">
-                <a:latin typeface="Lao UI" panose="020B0502040204020203" pitchFamily="34" charset="0"/>
-                <a:cs typeface="Lao UI" panose="020B0502040204020203" pitchFamily="34" charset="0"/>
-              </a:rPr>
-              <a:t>CoCoMo</a:t>
-            </a:r>
-            <a:r>
-              <a:rPr lang="it-IT" dirty="0">
-                <a:latin typeface="Lao UI" panose="020B0502040204020203" pitchFamily="34" charset="0"/>
-                <a:cs typeface="Lao UI" panose="020B0502040204020203" pitchFamily="34" charset="0"/>
-              </a:rPr>
-              <a:t> II to estimate the complexity of the software </a:t>
-            </a:r>
-            <a:r>
-              <a:rPr lang="it-IT" dirty="0" err="1">
-                <a:latin typeface="Lao UI" panose="020B0502040204020203" pitchFamily="34" charset="0"/>
-                <a:cs typeface="Lao UI" panose="020B0502040204020203" pitchFamily="34" charset="0"/>
-              </a:rPr>
-              <a:t>development</a:t>
-            </a:r>
-            <a:endParaRPr lang="it-IT" dirty="0">
-              <a:latin typeface="Lao UI" panose="020B0502040204020203" pitchFamily="34" charset="0"/>
-              <a:cs typeface="Lao UI" panose="020B0502040204020203" pitchFamily="34" charset="0"/>
-            </a:endParaRPr>
-          </a:p>
-          <a:p>
-            <a:pPr marL="0" indent="0" algn="just">
-              <a:buNone/>
-            </a:pPr>
-            <a:endParaRPr lang="it-IT" dirty="0">
-              <a:latin typeface="Lao UI" panose="020B0502040204020203" pitchFamily="34" charset="0"/>
-              <a:cs typeface="Lao UI" panose="020B0502040204020203" pitchFamily="34" charset="0"/>
-            </a:endParaRPr>
-          </a:p>
-          <a:p>
-            <a:pPr marL="0" indent="0" algn="just">
-              <a:buNone/>
-            </a:pPr>
-            <a:r>
-              <a:rPr lang="it-IT" dirty="0" err="1">
-                <a:cs typeface="Lao UI" panose="020B0502040204020203" pitchFamily="34" charset="0"/>
-              </a:rPr>
-              <a:t>Unadjusted</a:t>
-            </a:r>
-            <a:r>
-              <a:rPr lang="it-IT" dirty="0">
-                <a:cs typeface="Lao UI" panose="020B0502040204020203" pitchFamily="34" charset="0"/>
-              </a:rPr>
-              <a:t> function points = 116</a:t>
-            </a:r>
-          </a:p>
-          <a:p>
-            <a:pPr marL="0" indent="0" algn="just">
-              <a:buNone/>
-            </a:pPr>
-            <a:r>
-              <a:rPr lang="it-IT" dirty="0" err="1">
-                <a:cs typeface="Lao UI" panose="020B0502040204020203" pitchFamily="34" charset="0"/>
-              </a:rPr>
-              <a:t>Equivalent</a:t>
-            </a:r>
-            <a:r>
-              <a:rPr lang="it-IT" dirty="0">
-                <a:cs typeface="Lao UI" panose="020B0502040204020203" pitchFamily="34" charset="0"/>
-              </a:rPr>
-              <a:t> SLOC in Java 6148</a:t>
+                <a16:creationId xmlns:a16="http://schemas.microsoft.com/office/drawing/2014/main" id="{5451A910-A064-6B57-403B-B684CFF1200D}"/>
+              </a:ext>
+            </a:extLst>
+          </p:cNvPr>
+          <p:cNvSpPr>
+            <a:spLocks noGrp="1"/>
+          </p:cNvSpPr>
+          <p:nvPr>
+            <p:ph type="ctrTitle"/>
+          </p:nvPr>
+        </p:nvSpPr>
+        <p:spPr>
+          <a:xfrm>
+            <a:off x="679383" y="1650635"/>
+            <a:ext cx="10833234" cy="3556730"/>
+          </a:xfrm>
+        </p:spPr>
+        <p:txBody>
+          <a:bodyPr anchor="ctr"/>
+          <a:lstStyle/>
+          <a:p>
+            <a:pPr algn="ctr"/>
+            <a:r>
+              <a:rPr lang="en-GB" dirty="0"/>
+              <a:t>User stories</a:t>
+            </a:r>
+            <a:br>
+              <a:rPr lang="en-GB" dirty="0"/>
+            </a:br>
+            <a:r>
+              <a:rPr lang="en-GB" dirty="0"/>
+              <a:t>&amp;</a:t>
+            </a:r>
+            <a:br>
+              <a:rPr lang="en-GB" dirty="0"/>
+            </a:br>
+            <a:r>
+              <a:rPr lang="en-GB" dirty="0"/>
+              <a:t>Prototypes</a:t>
             </a:r>
           </a:p>
         </p:txBody>
@@ -4306,7 +5068,7 @@
     </p:spTree>
     <p:extLst>
       <p:ext uri="{BB962C8B-B14F-4D97-AF65-F5344CB8AC3E}">
-        <p14:creationId xmlns:p14="http://schemas.microsoft.com/office/powerpoint/2010/main" val="3640951987"/>
+        <p14:creationId xmlns:p14="http://schemas.microsoft.com/office/powerpoint/2010/main" val="2147774953"/>
       </p:ext>
     </p:extLst>
   </p:cSld>
@@ -4338,7 +5100,7 @@
           <p:cNvPr id="2" name="Titolo 1">
             <a:extLst>
               <a:ext uri="{FF2B5EF4-FFF2-40B4-BE49-F238E27FC236}">
-                <a16:creationId xmlns:a16="http://schemas.microsoft.com/office/drawing/2014/main" id="{6774F34A-1596-245D-7225-8E04A7DF9B6F}"/>
+                <a16:creationId xmlns:a16="http://schemas.microsoft.com/office/drawing/2014/main" id="{77B06911-A76A-CF0E-3896-E6C63880F998}"/>
               </a:ext>
             </a:extLst>
           </p:cNvPr>
@@ -4349,31 +5111,279 @@
             <p:ph type="title"/>
           </p:nvPr>
         </p:nvSpPr>
+        <p:spPr/>
+        <p:txBody>
+          <a:bodyPr/>
+          <a:lstStyle/>
+          <a:p>
+            <a:r>
+              <a:rPr lang="en-GB" dirty="0"/>
+              <a:t>Login</a:t>
+            </a:r>
+          </a:p>
+        </p:txBody>
+      </p:sp>
+      <p:pic>
+        <p:nvPicPr>
+          <p:cNvPr id="4" name="Segnaposto contenuto 3">
+            <a:extLst>
+              <a:ext uri="{FF2B5EF4-FFF2-40B4-BE49-F238E27FC236}">
+                <a16:creationId xmlns:a16="http://schemas.microsoft.com/office/drawing/2014/main" id="{3DA1F985-2934-D7C9-CBEE-8EAEA7907347}"/>
+              </a:ext>
+            </a:extLst>
+          </p:cNvPr>
+          <p:cNvPicPr>
+            <a:picLocks noGrp="1" noChangeAspect="1"/>
+          </p:cNvPicPr>
+          <p:nvPr>
+            <p:ph idx="1"/>
+          </p:nvPr>
+        </p:nvPicPr>
+        <p:blipFill>
+          <a:blip r:embed="rId2"/>
+          <a:stretch>
+            <a:fillRect/>
+          </a:stretch>
+        </p:blipFill>
         <p:spPr>
           <a:xfrm>
-            <a:off x="629578" y="2913355"/>
-            <a:ext cx="2957684" cy="1031290"/>
+            <a:off x="1768346" y="1629025"/>
+            <a:ext cx="8655308" cy="799599"/>
+          </a:xfrm>
+          <a:prstGeom prst="rect">
+            <a:avLst/>
+          </a:prstGeom>
+        </p:spPr>
+      </p:pic>
+      <p:pic>
+        <p:nvPicPr>
+          <p:cNvPr id="6" name="Immagine 5">
+            <a:extLst>
+              <a:ext uri="{FF2B5EF4-FFF2-40B4-BE49-F238E27FC236}">
+                <a16:creationId xmlns:a16="http://schemas.microsoft.com/office/drawing/2014/main" id="{5BCFAC89-9A9C-102D-1B3A-A7F5EFA10B83}"/>
+              </a:ext>
+            </a:extLst>
+          </p:cNvPr>
+          <p:cNvPicPr>
+            <a:picLocks noChangeAspect="1"/>
+          </p:cNvPicPr>
+          <p:nvPr/>
+        </p:nvPicPr>
+        <p:blipFill>
+          <a:blip r:embed="rId3"/>
+          <a:stretch>
+            <a:fillRect/>
+          </a:stretch>
+        </p:blipFill>
+        <p:spPr>
+          <a:xfrm>
+            <a:off x="3036932" y="2744724"/>
+            <a:ext cx="6118136" cy="3216253"/>
+          </a:xfrm>
+          <a:prstGeom prst="rect">
+            <a:avLst/>
+          </a:prstGeom>
+          <a:ln>
+            <a:solidFill>
+              <a:schemeClr val="tx1"/>
+            </a:solidFill>
+          </a:ln>
+        </p:spPr>
+      </p:pic>
+    </p:spTree>
+    <p:extLst>
+      <p:ext uri="{BB962C8B-B14F-4D97-AF65-F5344CB8AC3E}">
+        <p14:creationId xmlns:p14="http://schemas.microsoft.com/office/powerpoint/2010/main" val="280127168"/>
+      </p:ext>
+    </p:extLst>
+  </p:cSld>
+  <p:clrMapOvr>
+    <a:masterClrMapping/>
+  </p:clrMapOvr>
+</p:sld>
+</file>
+
+<file path=ppt/slides/slide5.xml><?xml version="1.0" encoding="utf-8"?>
+<p:sld xmlns:a="http://schemas.openxmlformats.org/drawingml/2006/main" xmlns:r="http://schemas.openxmlformats.org/officeDocument/2006/relationships" xmlns:p="http://schemas.openxmlformats.org/presentationml/2006/main">
+  <p:cSld>
+    <p:spTree>
+      <p:nvGrpSpPr>
+        <p:cNvPr id="1" name=""/>
+        <p:cNvGrpSpPr/>
+        <p:nvPr/>
+      </p:nvGrpSpPr>
+      <p:grpSpPr>
+        <a:xfrm>
+          <a:off x="0" y="0"/>
+          <a:ext cx="0" cy="0"/>
+          <a:chOff x="0" y="0"/>
+          <a:chExt cx="0" cy="0"/>
+        </a:xfrm>
+      </p:grpSpPr>
+      <p:sp>
+        <p:nvSpPr>
+          <p:cNvPr id="2" name="Titolo 1">
+            <a:extLst>
+              <a:ext uri="{FF2B5EF4-FFF2-40B4-BE49-F238E27FC236}">
+                <a16:creationId xmlns:a16="http://schemas.microsoft.com/office/drawing/2014/main" id="{77B06911-A76A-CF0E-3896-E6C63880F998}"/>
+              </a:ext>
+            </a:extLst>
+          </p:cNvPr>
+          <p:cNvSpPr>
+            <a:spLocks noGrp="1"/>
+          </p:cNvSpPr>
+          <p:nvPr>
+            <p:ph type="title"/>
+          </p:nvPr>
+        </p:nvSpPr>
+        <p:spPr/>
+        <p:txBody>
+          <a:bodyPr/>
+          <a:lstStyle/>
+          <a:p>
+            <a:r>
+              <a:rPr lang="en-GB" dirty="0"/>
+              <a:t>Sign up</a:t>
+            </a:r>
+          </a:p>
+        </p:txBody>
+      </p:sp>
+      <p:pic>
+        <p:nvPicPr>
+          <p:cNvPr id="4" name="Segnaposto contenuto 3">
+            <a:extLst>
+              <a:ext uri="{FF2B5EF4-FFF2-40B4-BE49-F238E27FC236}">
+                <a16:creationId xmlns:a16="http://schemas.microsoft.com/office/drawing/2014/main" id="{3DA1F985-2934-D7C9-CBEE-8EAEA7907347}"/>
+              </a:ext>
+            </a:extLst>
+          </p:cNvPr>
+          <p:cNvPicPr>
+            <a:picLocks noGrp="1" noChangeAspect="1"/>
+          </p:cNvPicPr>
+          <p:nvPr>
+            <p:ph idx="1"/>
+          </p:nvPr>
+        </p:nvPicPr>
+        <p:blipFill>
+          <a:blip r:embed="rId2"/>
+          <a:srcRect/>
+          <a:stretch/>
+        </p:blipFill>
+        <p:spPr>
+          <a:xfrm>
+            <a:off x="1768346" y="1629025"/>
+            <a:ext cx="8655308" cy="799599"/>
+          </a:xfrm>
+          <a:prstGeom prst="rect">
+            <a:avLst/>
+          </a:prstGeom>
+        </p:spPr>
+      </p:pic>
+      <p:pic>
+        <p:nvPicPr>
+          <p:cNvPr id="6" name="Immagine 5">
+            <a:extLst>
+              <a:ext uri="{FF2B5EF4-FFF2-40B4-BE49-F238E27FC236}">
+                <a16:creationId xmlns:a16="http://schemas.microsoft.com/office/drawing/2014/main" id="{5BCFAC89-9A9C-102D-1B3A-A7F5EFA10B83}"/>
+              </a:ext>
+            </a:extLst>
+          </p:cNvPr>
+          <p:cNvPicPr>
+            <a:picLocks noChangeAspect="1"/>
+          </p:cNvPicPr>
+          <p:nvPr/>
+        </p:nvPicPr>
+        <p:blipFill>
+          <a:blip r:embed="rId3"/>
+          <a:srcRect/>
+          <a:stretch/>
+        </p:blipFill>
+        <p:spPr>
+          <a:xfrm>
+            <a:off x="3036932" y="2744724"/>
+            <a:ext cx="6118135" cy="3216253"/>
+          </a:xfrm>
+          <a:prstGeom prst="rect">
+            <a:avLst/>
+          </a:prstGeom>
+          <a:ln>
+            <a:solidFill>
+              <a:schemeClr val="tx1"/>
+            </a:solidFill>
+          </a:ln>
+        </p:spPr>
+      </p:pic>
+    </p:spTree>
+    <p:extLst>
+      <p:ext uri="{BB962C8B-B14F-4D97-AF65-F5344CB8AC3E}">
+        <p14:creationId xmlns:p14="http://schemas.microsoft.com/office/powerpoint/2010/main" val="3373537178"/>
+      </p:ext>
+    </p:extLst>
+  </p:cSld>
+  <p:clrMapOvr>
+    <a:masterClrMapping/>
+  </p:clrMapOvr>
+</p:sld>
+</file>
+
+<file path=ppt/slides/slide6.xml><?xml version="1.0" encoding="utf-8"?>
+<p:sld xmlns:a="http://schemas.openxmlformats.org/drawingml/2006/main" xmlns:r="http://schemas.openxmlformats.org/officeDocument/2006/relationships" xmlns:p="http://schemas.openxmlformats.org/presentationml/2006/main">
+  <p:cSld>
+    <p:spTree>
+      <p:nvGrpSpPr>
+        <p:cNvPr id="1" name=""/>
+        <p:cNvGrpSpPr/>
+        <p:nvPr/>
+      </p:nvGrpSpPr>
+      <p:grpSpPr>
+        <a:xfrm>
+          <a:off x="0" y="0"/>
+          <a:ext cx="0" cy="0"/>
+          <a:chOff x="0" y="0"/>
+          <a:chExt cx="0" cy="0"/>
+        </a:xfrm>
+      </p:grpSpPr>
+      <p:sp>
+        <p:nvSpPr>
+          <p:cNvPr id="2" name="Titolo 1">
+            <a:extLst>
+              <a:ext uri="{FF2B5EF4-FFF2-40B4-BE49-F238E27FC236}">
+                <a16:creationId xmlns:a16="http://schemas.microsoft.com/office/drawing/2014/main" id="{77B06911-A76A-CF0E-3896-E6C63880F998}"/>
+              </a:ext>
+            </a:extLst>
+          </p:cNvPr>
+          <p:cNvSpPr>
+            <a:spLocks noGrp="1"/>
+          </p:cNvSpPr>
+          <p:nvPr>
+            <p:ph type="ctrTitle"/>
+          </p:nvPr>
+        </p:nvSpPr>
+        <p:spPr>
+          <a:xfrm>
+            <a:off x="548640" y="952499"/>
+            <a:ext cx="5003074" cy="3251855"/>
           </a:xfrm>
         </p:spPr>
         <p:txBody>
-          <a:bodyPr anchor="t">
+          <a:bodyPr>
             <a:normAutofit/>
           </a:bodyPr>
           <a:lstStyle/>
           <a:p>
             <a:r>
-              <a:rPr lang="it-IT" dirty="0"/>
-              <a:t>System architetture</a:t>
+              <a:rPr lang="en-GB" dirty="0"/>
+              <a:t>Main</a:t>
             </a:r>
           </a:p>
         </p:txBody>
       </p:sp>
       <p:pic>
         <p:nvPicPr>
-          <p:cNvPr id="9" name="Immagine 8">
-            <a:extLst>
-              <a:ext uri="{FF2B5EF4-FFF2-40B4-BE49-F238E27FC236}">
-                <a16:creationId xmlns:a16="http://schemas.microsoft.com/office/drawing/2014/main" id="{A4CA16FE-FF09-3D18-3FA2-8FBA8009C50A}"/>
+          <p:cNvPr id="8" name="Immagine 7">
+            <a:extLst>
+              <a:ext uri="{FF2B5EF4-FFF2-40B4-BE49-F238E27FC236}">
+                <a16:creationId xmlns:a16="http://schemas.microsoft.com/office/drawing/2014/main" id="{C11E4601-9AFA-5A14-2EFF-EEF07DD45BB7}"/>
               </a:ext>
             </a:extLst>
           </p:cNvPr>
@@ -4390,8 +5400,231 @@
         </p:blipFill>
         <p:spPr>
           <a:xfrm>
-            <a:off x="3865455" y="920091"/>
-            <a:ext cx="7620026" cy="5017818"/>
+            <a:off x="1912752" y="1736216"/>
+            <a:ext cx="8366496" cy="4266914"/>
+          </a:xfrm>
+          <a:prstGeom prst="rect">
+            <a:avLst/>
+          </a:prstGeom>
+          <a:noFill/>
+        </p:spPr>
+      </p:pic>
+    </p:spTree>
+    <p:extLst>
+      <p:ext uri="{BB962C8B-B14F-4D97-AF65-F5344CB8AC3E}">
+        <p14:creationId xmlns:p14="http://schemas.microsoft.com/office/powerpoint/2010/main" val="2343526783"/>
+      </p:ext>
+    </p:extLst>
+  </p:cSld>
+  <p:clrMapOvr>
+    <a:masterClrMapping/>
+  </p:clrMapOvr>
+</p:sld>
+</file>
+
+<file path=ppt/slides/slide7.xml><?xml version="1.0" encoding="utf-8"?>
+<p:sld xmlns:a="http://schemas.openxmlformats.org/drawingml/2006/main" xmlns:r="http://schemas.openxmlformats.org/officeDocument/2006/relationships" xmlns:p="http://schemas.openxmlformats.org/presentationml/2006/main">
+  <p:cSld>
+    <p:spTree>
+      <p:nvGrpSpPr>
+        <p:cNvPr id="1" name=""/>
+        <p:cNvGrpSpPr/>
+        <p:nvPr/>
+      </p:nvGrpSpPr>
+      <p:grpSpPr>
+        <a:xfrm>
+          <a:off x="0" y="0"/>
+          <a:ext cx="0" cy="0"/>
+          <a:chOff x="0" y="0"/>
+          <a:chExt cx="0" cy="0"/>
+        </a:xfrm>
+      </p:grpSpPr>
+      <p:sp>
+        <p:nvSpPr>
+          <p:cNvPr id="2" name="Titolo 1">
+            <a:extLst>
+              <a:ext uri="{FF2B5EF4-FFF2-40B4-BE49-F238E27FC236}">
+                <a16:creationId xmlns:a16="http://schemas.microsoft.com/office/drawing/2014/main" id="{77B06911-A76A-CF0E-3896-E6C63880F998}"/>
+              </a:ext>
+            </a:extLst>
+          </p:cNvPr>
+          <p:cNvSpPr>
+            <a:spLocks noGrp="1"/>
+          </p:cNvSpPr>
+          <p:nvPr>
+            <p:ph type="ctrTitle"/>
+          </p:nvPr>
+        </p:nvSpPr>
+        <p:spPr>
+          <a:xfrm>
+            <a:off x="548640" y="952499"/>
+            <a:ext cx="5003074" cy="3251855"/>
+          </a:xfrm>
+        </p:spPr>
+        <p:txBody>
+          <a:bodyPr>
+            <a:normAutofit/>
+          </a:bodyPr>
+          <a:lstStyle/>
+          <a:p>
+            <a:r>
+              <a:rPr lang="en-GB" dirty="0"/>
+              <a:t>Main</a:t>
+            </a:r>
+          </a:p>
+        </p:txBody>
+      </p:sp>
+      <p:pic>
+        <p:nvPicPr>
+          <p:cNvPr id="8" name="Immagine 7">
+            <a:extLst>
+              <a:ext uri="{FF2B5EF4-FFF2-40B4-BE49-F238E27FC236}">
+                <a16:creationId xmlns:a16="http://schemas.microsoft.com/office/drawing/2014/main" id="{C11E4601-9AFA-5A14-2EFF-EEF07DD45BB7}"/>
+              </a:ext>
+            </a:extLst>
+          </p:cNvPr>
+          <p:cNvPicPr>
+            <a:picLocks noChangeAspect="1"/>
+          </p:cNvPicPr>
+          <p:nvPr/>
+        </p:nvPicPr>
+        <p:blipFill>
+          <a:blip r:embed="rId2"/>
+          <a:srcRect/>
+          <a:stretch/>
+        </p:blipFill>
+        <p:spPr>
+          <a:xfrm>
+            <a:off x="2037619" y="1736216"/>
+            <a:ext cx="8116761" cy="4266914"/>
+          </a:xfrm>
+          <a:prstGeom prst="rect">
+            <a:avLst/>
+          </a:prstGeom>
+          <a:noFill/>
+          <a:ln>
+            <a:solidFill>
+              <a:schemeClr val="tx1"/>
+            </a:solidFill>
+          </a:ln>
+        </p:spPr>
+      </p:pic>
+    </p:spTree>
+    <p:extLst>
+      <p:ext uri="{BB962C8B-B14F-4D97-AF65-F5344CB8AC3E}">
+        <p14:creationId xmlns:p14="http://schemas.microsoft.com/office/powerpoint/2010/main" val="3690439776"/>
+      </p:ext>
+    </p:extLst>
+  </p:cSld>
+  <p:clrMapOvr>
+    <a:masterClrMapping/>
+  </p:clrMapOvr>
+</p:sld>
+</file>
+
+<file path=ppt/slides/slide8.xml><?xml version="1.0" encoding="utf-8"?>
+<p:sld xmlns:a="http://schemas.openxmlformats.org/drawingml/2006/main" xmlns:r="http://schemas.openxmlformats.org/officeDocument/2006/relationships" xmlns:p="http://schemas.openxmlformats.org/presentationml/2006/main">
+  <p:cSld>
+    <p:spTree>
+      <p:nvGrpSpPr>
+        <p:cNvPr id="1" name=""/>
+        <p:cNvGrpSpPr/>
+        <p:nvPr/>
+      </p:nvGrpSpPr>
+      <p:grpSpPr>
+        <a:xfrm>
+          <a:off x="0" y="0"/>
+          <a:ext cx="0" cy="0"/>
+          <a:chOff x="0" y="0"/>
+          <a:chExt cx="0" cy="0"/>
+        </a:xfrm>
+      </p:grpSpPr>
+      <p:sp>
+        <p:nvSpPr>
+          <p:cNvPr id="2" name="Titolo 1">
+            <a:extLst>
+              <a:ext uri="{FF2B5EF4-FFF2-40B4-BE49-F238E27FC236}">
+                <a16:creationId xmlns:a16="http://schemas.microsoft.com/office/drawing/2014/main" id="{77B06911-A76A-CF0E-3896-E6C63880F998}"/>
+              </a:ext>
+            </a:extLst>
+          </p:cNvPr>
+          <p:cNvSpPr>
+            <a:spLocks noGrp="1"/>
+          </p:cNvSpPr>
+          <p:nvPr>
+            <p:ph type="title"/>
+          </p:nvPr>
+        </p:nvSpPr>
+        <p:spPr/>
+        <p:txBody>
+          <a:bodyPr/>
+          <a:lstStyle/>
+          <a:p>
+            <a:r>
+              <a:rPr lang="en-GB" dirty="0"/>
+              <a:t>User profile</a:t>
+            </a:r>
+          </a:p>
+        </p:txBody>
+      </p:sp>
+      <p:pic>
+        <p:nvPicPr>
+          <p:cNvPr id="6" name="Immagine 5">
+            <a:extLst>
+              <a:ext uri="{FF2B5EF4-FFF2-40B4-BE49-F238E27FC236}">
+                <a16:creationId xmlns:a16="http://schemas.microsoft.com/office/drawing/2014/main" id="{5BCFAC89-9A9C-102D-1B3A-A7F5EFA10B83}"/>
+              </a:ext>
+            </a:extLst>
+          </p:cNvPr>
+          <p:cNvPicPr>
+            <a:picLocks noChangeAspect="1"/>
+          </p:cNvPicPr>
+          <p:nvPr/>
+        </p:nvPicPr>
+        <p:blipFill>
+          <a:blip r:embed="rId2"/>
+          <a:srcRect/>
+          <a:stretch/>
+        </p:blipFill>
+        <p:spPr>
+          <a:xfrm>
+            <a:off x="3615490" y="3429000"/>
+            <a:ext cx="4961020" cy="2607966"/>
+          </a:xfrm>
+          <a:prstGeom prst="rect">
+            <a:avLst/>
+          </a:prstGeom>
+          <a:ln>
+            <a:solidFill>
+              <a:schemeClr val="tx1"/>
+            </a:solidFill>
+          </a:ln>
+        </p:spPr>
+      </p:pic>
+      <p:pic>
+        <p:nvPicPr>
+          <p:cNvPr id="10" name="Immagine 9" descr="Immagine che contiene tavolo&#10;&#10;Descrizione generata automaticamente">
+            <a:extLst>
+              <a:ext uri="{FF2B5EF4-FFF2-40B4-BE49-F238E27FC236}">
+                <a16:creationId xmlns:a16="http://schemas.microsoft.com/office/drawing/2014/main" id="{E63297BA-DFE7-67B9-E54D-586E34299851}"/>
+              </a:ext>
+            </a:extLst>
+          </p:cNvPr>
+          <p:cNvPicPr>
+            <a:picLocks noChangeAspect="1"/>
+          </p:cNvPicPr>
+          <p:nvPr/>
+        </p:nvPicPr>
+        <p:blipFill>
+          <a:blip r:embed="rId3"/>
+          <a:stretch>
+            <a:fillRect/>
+          </a:stretch>
+        </p:blipFill>
+        <p:spPr>
+          <a:xfrm>
+            <a:off x="2209800" y="1611820"/>
+            <a:ext cx="7772400" cy="1627661"/>
           </a:xfrm>
           <a:prstGeom prst="rect">
             <a:avLst/>
@@ -4401,7 +5634,128 @@
     </p:spTree>
     <p:extLst>
       <p:ext uri="{BB962C8B-B14F-4D97-AF65-F5344CB8AC3E}">
-        <p14:creationId xmlns:p14="http://schemas.microsoft.com/office/powerpoint/2010/main" val="4209889365"/>
+        <p14:creationId xmlns:p14="http://schemas.microsoft.com/office/powerpoint/2010/main" val="601814263"/>
+      </p:ext>
+    </p:extLst>
+  </p:cSld>
+  <p:clrMapOvr>
+    <a:masterClrMapping/>
+  </p:clrMapOvr>
+</p:sld>
+</file>
+
+<file path=ppt/slides/slide9.xml><?xml version="1.0" encoding="utf-8"?>
+<p:sld xmlns:a="http://schemas.openxmlformats.org/drawingml/2006/main" xmlns:r="http://schemas.openxmlformats.org/officeDocument/2006/relationships" xmlns:p="http://schemas.openxmlformats.org/presentationml/2006/main">
+  <p:cSld>
+    <p:spTree>
+      <p:nvGrpSpPr>
+        <p:cNvPr id="1" name=""/>
+        <p:cNvGrpSpPr/>
+        <p:nvPr/>
+      </p:nvGrpSpPr>
+      <p:grpSpPr>
+        <a:xfrm>
+          <a:off x="0" y="0"/>
+          <a:ext cx="0" cy="0"/>
+          <a:chOff x="0" y="0"/>
+          <a:chExt cx="0" cy="0"/>
+        </a:xfrm>
+      </p:grpSpPr>
+      <p:sp>
+        <p:nvSpPr>
+          <p:cNvPr id="2" name="Titolo 1">
+            <a:extLst>
+              <a:ext uri="{FF2B5EF4-FFF2-40B4-BE49-F238E27FC236}">
+                <a16:creationId xmlns:a16="http://schemas.microsoft.com/office/drawing/2014/main" id="{77B06911-A76A-CF0E-3896-E6C63880F998}"/>
+              </a:ext>
+            </a:extLst>
+          </p:cNvPr>
+          <p:cNvSpPr>
+            <a:spLocks noGrp="1"/>
+          </p:cNvSpPr>
+          <p:nvPr>
+            <p:ph type="title"/>
+          </p:nvPr>
+        </p:nvSpPr>
+        <p:spPr/>
+        <p:txBody>
+          <a:bodyPr/>
+          <a:lstStyle/>
+          <a:p>
+            <a:r>
+              <a:rPr lang="en-GB" dirty="0"/>
+              <a:t>User settings</a:t>
+            </a:r>
+          </a:p>
+        </p:txBody>
+      </p:sp>
+      <p:pic>
+        <p:nvPicPr>
+          <p:cNvPr id="6" name="Immagine 5">
+            <a:extLst>
+              <a:ext uri="{FF2B5EF4-FFF2-40B4-BE49-F238E27FC236}">
+                <a16:creationId xmlns:a16="http://schemas.microsoft.com/office/drawing/2014/main" id="{5BCFAC89-9A9C-102D-1B3A-A7F5EFA10B83}"/>
+              </a:ext>
+            </a:extLst>
+          </p:cNvPr>
+          <p:cNvPicPr>
+            <a:picLocks noChangeAspect="1"/>
+          </p:cNvPicPr>
+          <p:nvPr/>
+        </p:nvPicPr>
+        <p:blipFill>
+          <a:blip r:embed="rId2"/>
+          <a:srcRect/>
+          <a:stretch/>
+        </p:blipFill>
+        <p:spPr>
+          <a:xfrm>
+            <a:off x="3451690" y="3189286"/>
+            <a:ext cx="5288619" cy="2783851"/>
+          </a:xfrm>
+          <a:prstGeom prst="rect">
+            <a:avLst/>
+          </a:prstGeom>
+          <a:ln>
+            <a:solidFill>
+              <a:schemeClr val="tx1"/>
+            </a:solidFill>
+          </a:ln>
+        </p:spPr>
+      </p:pic>
+      <p:pic>
+        <p:nvPicPr>
+          <p:cNvPr id="10" name="Immagine 9">
+            <a:extLst>
+              <a:ext uri="{FF2B5EF4-FFF2-40B4-BE49-F238E27FC236}">
+                <a16:creationId xmlns:a16="http://schemas.microsoft.com/office/drawing/2014/main" id="{E63297BA-DFE7-67B9-E54D-586E34299851}"/>
+              </a:ext>
+            </a:extLst>
+          </p:cNvPr>
+          <p:cNvPicPr>
+            <a:picLocks noChangeAspect="1"/>
+          </p:cNvPicPr>
+          <p:nvPr/>
+        </p:nvPicPr>
+        <p:blipFill>
+          <a:blip r:embed="rId3"/>
+          <a:srcRect/>
+          <a:stretch/>
+        </p:blipFill>
+        <p:spPr>
+          <a:xfrm>
+            <a:off x="2209799" y="1679009"/>
+            <a:ext cx="7772400" cy="1324840"/>
+          </a:xfrm>
+          <a:prstGeom prst="rect">
+            <a:avLst/>
+          </a:prstGeom>
+        </p:spPr>
+      </p:pic>
+    </p:spTree>
+    <p:extLst>
+      <p:ext uri="{BB962C8B-B14F-4D97-AF65-F5344CB8AC3E}">
+        <p14:creationId xmlns:p14="http://schemas.microsoft.com/office/powerpoint/2010/main" val="70103551"/>
       </p:ext>
     </p:extLst>
   </p:cSld>

--- a/Documentation/LABAP.pptx
+++ b/Documentation/LABAP.pptx
@@ -4364,8 +4364,13 @@
           <a:p>
             <a:r>
               <a:rPr lang="it-IT" dirty="0"/>
-              <a:t>System architetture</a:t>
-            </a:r>
+              <a:t>System </a:t>
+            </a:r>
+            <a:r>
+              <a:rPr lang="it-IT" dirty="0" err="1"/>
+              <a:t>architecture</a:t>
+            </a:r>
+            <a:endParaRPr lang="it-IT" dirty="0"/>
           </a:p>
         </p:txBody>
       </p:sp>
